--- a/3nd_sem/SA/murrent/Decorater Pattern.pptx
+++ b/3nd_sem/SA/murrent/Decorater Pattern.pptx
@@ -5,17 +5,18 @@
     <p:sldMasterId id="2147483708" r:id="rId1"/>
   </p:sldMasterIdLst>
   <p:notesMasterIdLst>
-    <p:notesMasterId r:id="rId10"/>
+    <p:notesMasterId r:id="rId11"/>
   </p:notesMasterIdLst>
   <p:sldIdLst>
     <p:sldId id="256" r:id="rId2"/>
     <p:sldId id="257" r:id="rId3"/>
     <p:sldId id="258" r:id="rId4"/>
     <p:sldId id="268" r:id="rId5"/>
-    <p:sldId id="262" r:id="rId6"/>
-    <p:sldId id="263" r:id="rId7"/>
-    <p:sldId id="264" r:id="rId8"/>
-    <p:sldId id="266" r:id="rId9"/>
+    <p:sldId id="269" r:id="rId6"/>
+    <p:sldId id="262" r:id="rId7"/>
+    <p:sldId id="263" r:id="rId8"/>
+    <p:sldId id="264" r:id="rId9"/>
+    <p:sldId id="266" r:id="rId10"/>
   </p:sldIdLst>
   <p:sldSz cx="9144000" cy="6858000" type="screen4x3"/>
   <p:notesSz cx="6858000" cy="9144000"/>
@@ -199,7 +200,7 @@
           <a:p>
             <a:fld id="{4B2CD08E-23FD-4885-96D4-72DD7DB26EDE}" type="datetimeFigureOut">
               <a:rPr lang="en-GB" smtClean="0"/>
-              <a:t>19/10/2014</a:t>
+              <a:t>20/10/2014</a:t>
             </a:fld>
             <a:endParaRPr lang="en-GB"/>
           </a:p>
@@ -552,7 +553,7 @@
           <a:p>
             <a:fld id="{5D7BCE74-0830-40D5-BFCE-1D487632B70E}" type="slidenum">
               <a:rPr lang="en-GB" smtClean="0"/>
-              <a:t>5</a:t>
+              <a:t>6</a:t>
             </a:fld>
             <a:endParaRPr lang="en-GB"/>
           </a:p>
@@ -640,7 +641,7 @@
           <a:p>
             <a:fld id="{5D7BCE74-0830-40D5-BFCE-1D487632B70E}" type="slidenum">
               <a:rPr lang="en-GB" smtClean="0"/>
-              <a:t>6</a:t>
+              <a:t>7</a:t>
             </a:fld>
             <a:endParaRPr lang="en-GB"/>
           </a:p>
@@ -784,7 +785,7 @@
           <a:p>
             <a:fld id="{6B647EF2-DDD7-4B7A-8D2C-57D287851A1B}" type="datetimeFigureOut">
               <a:rPr lang="en-GB" smtClean="0"/>
-              <a:t>19/10/2014</a:t>
+              <a:t>20/10/2014</a:t>
             </a:fld>
             <a:endParaRPr lang="en-GB"/>
           </a:p>
@@ -1417,7 +1418,7 @@
           <a:p>
             <a:fld id="{6B647EF2-DDD7-4B7A-8D2C-57D287851A1B}" type="datetimeFigureOut">
               <a:rPr lang="en-GB" smtClean="0"/>
-              <a:t>19/10/2014</a:t>
+              <a:t>20/10/2014</a:t>
             </a:fld>
             <a:endParaRPr lang="en-GB"/>
           </a:p>
@@ -1694,7 +1695,7 @@
           <a:p>
             <a:fld id="{6B647EF2-DDD7-4B7A-8D2C-57D287851A1B}" type="datetimeFigureOut">
               <a:rPr lang="en-GB" smtClean="0"/>
-              <a:t>19/10/2014</a:t>
+              <a:t>20/10/2014</a:t>
             </a:fld>
             <a:endParaRPr lang="en-GB"/>
           </a:p>
@@ -1859,7 +1860,7 @@
           <a:p>
             <a:fld id="{6B647EF2-DDD7-4B7A-8D2C-57D287851A1B}" type="datetimeFigureOut">
               <a:rPr lang="en-GB" smtClean="0"/>
-              <a:t>19/10/2014</a:t>
+              <a:t>20/10/2014</a:t>
             </a:fld>
             <a:endParaRPr lang="en-GB"/>
           </a:p>
@@ -2040,7 +2041,7 @@
           <a:p>
             <a:fld id="{6B647EF2-DDD7-4B7A-8D2C-57D287851A1B}" type="datetimeFigureOut">
               <a:rPr lang="en-GB" smtClean="0"/>
-              <a:t>19/10/2014</a:t>
+              <a:t>20/10/2014</a:t>
             </a:fld>
             <a:endParaRPr lang="en-GB"/>
           </a:p>
@@ -2685,7 +2686,7 @@
           <a:p>
             <a:fld id="{6B647EF2-DDD7-4B7A-8D2C-57D287851A1B}" type="datetimeFigureOut">
               <a:rPr lang="en-GB" smtClean="0"/>
-              <a:t>19/10/2014</a:t>
+              <a:t>20/10/2014</a:t>
             </a:fld>
             <a:endParaRPr lang="en-GB"/>
           </a:p>
@@ -3111,7 +3112,7 @@
           <a:p>
             <a:fld id="{6B647EF2-DDD7-4B7A-8D2C-57D287851A1B}" type="datetimeFigureOut">
               <a:rPr lang="en-GB" smtClean="0"/>
-              <a:t>19/10/2014</a:t>
+              <a:t>20/10/2014</a:t>
             </a:fld>
             <a:endParaRPr lang="en-GB"/>
           </a:p>
@@ -3224,7 +3225,7 @@
           <a:p>
             <a:fld id="{6B647EF2-DDD7-4B7A-8D2C-57D287851A1B}" type="datetimeFigureOut">
               <a:rPr lang="en-GB" smtClean="0"/>
-              <a:t>19/10/2014</a:t>
+              <a:t>20/10/2014</a:t>
             </a:fld>
             <a:endParaRPr lang="en-GB"/>
           </a:p>
@@ -3405,7 +3406,7 @@
           <a:p>
             <a:fld id="{6B647EF2-DDD7-4B7A-8D2C-57D287851A1B}" type="datetimeFigureOut">
               <a:rPr lang="en-GB" smtClean="0"/>
-              <a:t>19/10/2014</a:t>
+              <a:t>20/10/2014</a:t>
             </a:fld>
             <a:endParaRPr lang="en-GB"/>
           </a:p>
@@ -3671,7 +3672,7 @@
           <a:p>
             <a:fld id="{6B647EF2-DDD7-4B7A-8D2C-57D287851A1B}" type="datetimeFigureOut">
               <a:rPr lang="en-GB" smtClean="0"/>
-              <a:t>19/10/2014</a:t>
+              <a:t>20/10/2014</a:t>
             </a:fld>
             <a:endParaRPr lang="en-GB"/>
           </a:p>
@@ -4141,7 +4142,7 @@
           <a:p>
             <a:fld id="{6B647EF2-DDD7-4B7A-8D2C-57D287851A1B}" type="datetimeFigureOut">
               <a:rPr lang="en-GB" smtClean="0"/>
-              <a:t>19/10/2014</a:t>
+              <a:t>20/10/2014</a:t>
             </a:fld>
             <a:endParaRPr lang="en-GB"/>
           </a:p>
@@ -4701,7 +4702,7 @@
           <a:p>
             <a:fld id="{6B647EF2-DDD7-4B7A-8D2C-57D287851A1B}" type="datetimeFigureOut">
               <a:rPr lang="en-GB" smtClean="0"/>
-              <a:t>19/10/2014</a:t>
+              <a:t>20/10/2014</a:t>
             </a:fld>
             <a:endParaRPr lang="en-GB"/>
           </a:p>
@@ -5272,12 +5273,16 @@
           <a:lstStyle/>
           <a:p>
             <a:r>
-              <a:rPr lang="de-AT" dirty="0" err="1" smtClean="0"/>
-              <a:t>Decorater</a:t>
+              <a:rPr lang="de-AT" smtClean="0"/>
+              <a:t>Decorator</a:t>
             </a:r>
             <a:r>
               <a:rPr lang="de-AT" dirty="0" smtClean="0"/>
-              <a:t> Pattern</a:t>
+              <a:t> </a:t>
+            </a:r>
+            <a:r>
+              <a:rPr lang="de-AT" dirty="0" smtClean="0"/>
+              <a:t>Pattern</a:t>
             </a:r>
             <a:endParaRPr lang="en-GB" dirty="0"/>
           </a:p>
@@ -5293,13 +5298,13 @@
   <p:clrMapOvr>
     <a:masterClrMapping/>
   </p:clrMapOvr>
-  <mc:AlternateContent xmlns:mc="http://schemas.openxmlformats.org/markup-compatibility/2006">
-    <mc:Choice xmlns:p14="http://schemas.microsoft.com/office/powerpoint/2010/main" Requires="p14">
+  <mc:AlternateContent xmlns:mc="http://schemas.openxmlformats.org/markup-compatibility/2006" xmlns:p14="http://schemas.microsoft.com/office/powerpoint/2010/main">
+    <mc:Choice Requires="p14">
       <p:transition spd="med" p14:dur="700">
         <p:fade/>
       </p:transition>
     </mc:Choice>
-    <mc:Fallback>
+    <mc:Fallback xmlns="">
       <p:transition spd="med">
         <p:fade/>
       </p:transition>
@@ -5381,8 +5386,9 @@
           <a:p>
             <a:r>
               <a:rPr lang="de-AT" dirty="0" smtClean="0"/>
-              <a:t>Alternative zur Unterklassenbildung</a:t>
-            </a:r>
+              <a:t>Wenn Bildung von Unterklassen zu großen Klassenmodellen führen kann</a:t>
+            </a:r>
+            <a:endParaRPr lang="de-AT" dirty="0" smtClean="0"/>
           </a:p>
           <a:p>
             <a:endParaRPr lang="de-AT" dirty="0" smtClean="0"/>
@@ -5399,7 +5405,7 @@
           <a:p>
             <a:r>
               <a:rPr lang="de-AT" dirty="0" smtClean="0"/>
-              <a:t>„Dekorieren“ einer Klasse mit anderen Klassen</a:t>
+              <a:t>Wenn Bildung von Unterklasse nicht möglich</a:t>
             </a:r>
             <a:endParaRPr lang="en-GB" dirty="0"/>
           </a:p>
@@ -5415,13 +5421,13 @@
   <p:clrMapOvr>
     <a:masterClrMapping/>
   </p:clrMapOvr>
-  <mc:AlternateContent xmlns:mc="http://schemas.openxmlformats.org/markup-compatibility/2006">
-    <mc:Choice xmlns:p14="http://schemas.microsoft.com/office/powerpoint/2010/main" Requires="p14">
+  <mc:AlternateContent xmlns:mc="http://schemas.openxmlformats.org/markup-compatibility/2006" xmlns:p14="http://schemas.microsoft.com/office/powerpoint/2010/main">
+    <mc:Choice Requires="p14">
       <p:transition spd="med" p14:dur="700">
         <p:fade/>
       </p:transition>
     </mc:Choice>
-    <mc:Fallback>
+    <mc:Fallback xmlns="">
       <p:transition spd="med">
         <p:fade/>
       </p:transition>
@@ -5471,7 +5477,7 @@
           <a:p>
             <a:r>
               <a:rPr lang="de-AT" dirty="0" smtClean="0"/>
-              <a:t>Szenario</a:t>
+              <a:t>Problem</a:t>
             </a:r>
             <a:endParaRPr lang="en-GB" dirty="0"/>
           </a:p>
@@ -5614,13 +5620,13 @@
   <p:clrMapOvr>
     <a:masterClrMapping/>
   </p:clrMapOvr>
-  <mc:AlternateContent xmlns:mc="http://schemas.openxmlformats.org/markup-compatibility/2006">
-    <mc:Choice xmlns:p14="http://schemas.microsoft.com/office/powerpoint/2010/main" Requires="p14">
+  <mc:AlternateContent xmlns:mc="http://schemas.openxmlformats.org/markup-compatibility/2006" xmlns:p14="http://schemas.microsoft.com/office/powerpoint/2010/main">
+    <mc:Choice Requires="p14">
       <p:transition spd="med" p14:dur="700">
         <p:fade/>
       </p:transition>
     </mc:Choice>
-    <mc:Fallback>
+    <mc:Fallback xmlns="">
       <p:transition spd="med">
         <p:fade/>
       </p:transition>
@@ -5759,6 +5765,13 @@
   <p:clrMapOvr>
     <a:masterClrMapping/>
   </p:clrMapOvr>
+  <p:timing>
+    <p:tnLst>
+      <p:par>
+        <p:cTn id="1" dur="indefinite" restart="never" nodeType="tmRoot"/>
+      </p:par>
+    </p:tnLst>
+  </p:timing>
 </p:sld>
 </file>
 
@@ -5796,7 +5809,7 @@
           <a:p>
             <a:r>
               <a:rPr lang="de-AT" dirty="0" smtClean="0"/>
-              <a:t>Vorteile</a:t>
+              <a:t>Lösung</a:t>
             </a:r>
             <a:endParaRPr lang="en-GB" dirty="0"/>
           </a:p>
@@ -5817,77 +5830,207 @@
           <a:bodyPr/>
           <a:lstStyle/>
           <a:p>
-            <a:endParaRPr lang="de-AT" dirty="0" smtClean="0"/>
-          </a:p>
-          <a:p>
-            <a:endParaRPr lang="de-AT" dirty="0" smtClean="0"/>
-          </a:p>
-          <a:p>
-            <a:r>
-              <a:rPr lang="de-AT" dirty="0" smtClean="0"/>
-              <a:t>Dynamik und Flexibilität</a:t>
-            </a:r>
-          </a:p>
-          <a:p>
-            <a:endParaRPr lang="de-AT" dirty="0" smtClean="0"/>
-          </a:p>
-          <a:p>
-            <a:r>
-              <a:rPr lang="de-AT" dirty="0" smtClean="0"/>
-              <a:t>Mehrere </a:t>
-            </a:r>
-            <a:r>
-              <a:rPr lang="de-AT" dirty="0" err="1" smtClean="0"/>
-              <a:t>Dekorierer</a:t>
-            </a:r>
-            <a:r>
-              <a:rPr lang="de-AT" dirty="0" smtClean="0"/>
-              <a:t> hintereinander</a:t>
-            </a:r>
-          </a:p>
-          <a:p>
-            <a:endParaRPr lang="de-AT" dirty="0"/>
-          </a:p>
-          <a:p>
-            <a:r>
-              <a:rPr lang="de-AT" dirty="0" smtClean="0"/>
-              <a:t>Performance</a:t>
-            </a:r>
-          </a:p>
-          <a:p>
-            <a:endParaRPr lang="de-AT" dirty="0" smtClean="0"/>
-          </a:p>
-          <a:p>
-            <a:r>
-              <a:rPr lang="de-AT" dirty="0" smtClean="0"/>
-              <a:t>Vermeidung von Vererbungshierarchien</a:t>
-            </a:r>
             <a:endParaRPr lang="en-GB" dirty="0"/>
           </a:p>
         </p:txBody>
       </p:sp>
+      <p:pic>
+        <p:nvPicPr>
+          <p:cNvPr id="1026" name="Picture 2"/>
+          <p:cNvPicPr>
+            <a:picLocks noChangeAspect="1" noChangeArrowheads="1"/>
+          </p:cNvPicPr>
+          <p:nvPr/>
+        </p:nvPicPr>
+        <p:blipFill>
+          <a:blip r:embed="rId2">
+            <a:extLst>
+              <a:ext uri="{28A0092B-C50C-407E-A947-70E740481C1C}">
+                <a14:useLocalDpi xmlns:a14="http://schemas.microsoft.com/office/drawing/2010/main" val="0"/>
+              </a:ext>
+            </a:extLst>
+          </a:blip>
+          <a:srcRect/>
+          <a:stretch>
+            <a:fillRect/>
+          </a:stretch>
+        </p:blipFill>
+        <p:spPr bwMode="auto">
+          <a:xfrm>
+            <a:off x="467544" y="1628800"/>
+            <a:ext cx="3802923" cy="936104"/>
+          </a:xfrm>
+          <a:prstGeom prst="rect">
+            <a:avLst/>
+          </a:prstGeom>
+          <a:ln>
+            <a:noFill/>
+          </a:ln>
+          <a:effectLst>
+            <a:outerShdw blurRad="292100" dist="139700" dir="2700000" algn="tl" rotWithShape="0">
+              <a:srgbClr val="333333">
+                <a:alpha val="65000"/>
+              </a:srgbClr>
+            </a:outerShdw>
+          </a:effectLst>
+          <a:extLst>
+            <a:ext uri="{909E8E84-426E-40DD-AFC4-6F175D3DCCD1}">
+              <a14:hiddenFill xmlns:a14="http://schemas.microsoft.com/office/drawing/2010/main">
+                <a:solidFill>
+                  <a:schemeClr val="accent1"/>
+                </a:solidFill>
+              </a14:hiddenFill>
+            </a:ext>
+            <a:ext uri="{91240B29-F687-4F45-9708-019B960494DF}">
+              <a14:hiddenLine xmlns:a14="http://schemas.microsoft.com/office/drawing/2010/main" w="9525">
+                <a:solidFill>
+                  <a:schemeClr val="tx1"/>
+                </a:solidFill>
+                <a:miter lim="800000"/>
+                <a:headEnd/>
+                <a:tailEnd/>
+              </a14:hiddenLine>
+            </a:ext>
+          </a:extLst>
+        </p:spPr>
+      </p:pic>
+      <p:pic>
+        <p:nvPicPr>
+          <p:cNvPr id="1028" name="Picture 4"/>
+          <p:cNvPicPr>
+            <a:picLocks noChangeAspect="1" noChangeArrowheads="1"/>
+          </p:cNvPicPr>
+          <p:nvPr/>
+        </p:nvPicPr>
+        <p:blipFill>
+          <a:blip r:embed="rId3">
+            <a:extLst>
+              <a:ext uri="{28A0092B-C50C-407E-A947-70E740481C1C}">
+                <a14:useLocalDpi xmlns:a14="http://schemas.microsoft.com/office/drawing/2010/main" val="0"/>
+              </a:ext>
+            </a:extLst>
+          </a:blip>
+          <a:srcRect/>
+          <a:stretch>
+            <a:fillRect/>
+          </a:stretch>
+        </p:blipFill>
+        <p:spPr bwMode="auto">
+          <a:xfrm>
+            <a:off x="107504" y="4725144"/>
+            <a:ext cx="3524250" cy="2019300"/>
+          </a:xfrm>
+          <a:prstGeom prst="rect">
+            <a:avLst/>
+          </a:prstGeom>
+          <a:ln>
+            <a:noFill/>
+          </a:ln>
+          <a:effectLst>
+            <a:outerShdw blurRad="292100" dist="139700" dir="2700000" algn="tl" rotWithShape="0">
+              <a:srgbClr val="333333">
+                <a:alpha val="65000"/>
+              </a:srgbClr>
+            </a:outerShdw>
+          </a:effectLst>
+          <a:extLst>
+            <a:ext uri="{909E8E84-426E-40DD-AFC4-6F175D3DCCD1}">
+              <a14:hiddenFill xmlns:a14="http://schemas.microsoft.com/office/drawing/2010/main">
+                <a:solidFill>
+                  <a:schemeClr val="accent1"/>
+                </a:solidFill>
+              </a14:hiddenFill>
+            </a:ext>
+            <a:ext uri="{91240B29-F687-4F45-9708-019B960494DF}">
+              <a14:hiddenLine xmlns:a14="http://schemas.microsoft.com/office/drawing/2010/main" w="9525">
+                <a:solidFill>
+                  <a:schemeClr val="tx1"/>
+                </a:solidFill>
+                <a:miter lim="800000"/>
+                <a:headEnd/>
+                <a:tailEnd/>
+              </a14:hiddenLine>
+            </a:ext>
+          </a:extLst>
+        </p:spPr>
+      </p:pic>
+      <p:pic>
+        <p:nvPicPr>
+          <p:cNvPr id="1027" name="Picture 3"/>
+          <p:cNvPicPr>
+            <a:picLocks noChangeAspect="1" noChangeArrowheads="1"/>
+          </p:cNvPicPr>
+          <p:nvPr/>
+        </p:nvPicPr>
+        <p:blipFill>
+          <a:blip r:embed="rId4">
+            <a:extLst>
+              <a:ext uri="{28A0092B-C50C-407E-A947-70E740481C1C}">
+                <a14:useLocalDpi xmlns:a14="http://schemas.microsoft.com/office/drawing/2010/main" val="0"/>
+              </a:ext>
+            </a:extLst>
+          </a:blip>
+          <a:srcRect/>
+          <a:stretch>
+            <a:fillRect/>
+          </a:stretch>
+        </p:blipFill>
+        <p:spPr bwMode="auto">
+          <a:xfrm>
+            <a:off x="2699792" y="2420888"/>
+            <a:ext cx="5984649" cy="2424438"/>
+          </a:xfrm>
+          <a:prstGeom prst="rect">
+            <a:avLst/>
+          </a:prstGeom>
+          <a:ln>
+            <a:noFill/>
+          </a:ln>
+          <a:effectLst>
+            <a:outerShdw blurRad="292100" dist="139700" dir="2700000" algn="tl" rotWithShape="0">
+              <a:srgbClr val="333333">
+                <a:alpha val="65000"/>
+              </a:srgbClr>
+            </a:outerShdw>
+          </a:effectLst>
+          <a:extLst>
+            <a:ext uri="{909E8E84-426E-40DD-AFC4-6F175D3DCCD1}">
+              <a14:hiddenFill xmlns:a14="http://schemas.microsoft.com/office/drawing/2010/main">
+                <a:solidFill>
+                  <a:schemeClr val="accent1"/>
+                </a:solidFill>
+              </a14:hiddenFill>
+            </a:ext>
+            <a:ext uri="{91240B29-F687-4F45-9708-019B960494DF}">
+              <a14:hiddenLine xmlns:a14="http://schemas.microsoft.com/office/drawing/2010/main" w="9525">
+                <a:solidFill>
+                  <a:schemeClr val="tx1"/>
+                </a:solidFill>
+                <a:miter lim="800000"/>
+                <a:headEnd/>
+                <a:tailEnd/>
+              </a14:hiddenLine>
+            </a:ext>
+          </a:extLst>
+        </p:spPr>
+      </p:pic>
     </p:spTree>
     <p:extLst>
       <p:ext uri="{BB962C8B-B14F-4D97-AF65-F5344CB8AC3E}">
-        <p14:creationId xmlns:p14="http://schemas.microsoft.com/office/powerpoint/2010/main" val="1041663436"/>
+        <p14:creationId xmlns:p14="http://schemas.microsoft.com/office/powerpoint/2010/main" val="3431178062"/>
       </p:ext>
     </p:extLst>
   </p:cSld>
   <p:clrMapOvr>
     <a:masterClrMapping/>
   </p:clrMapOvr>
-  <mc:AlternateContent xmlns:mc="http://schemas.openxmlformats.org/markup-compatibility/2006">
-    <mc:Choice xmlns:p14="http://schemas.microsoft.com/office/powerpoint/2010/main" Requires="p14">
-      <p:transition spd="med" p14:dur="700">
-        <p:fade/>
-      </p:transition>
-    </mc:Choice>
-    <mc:Fallback>
-      <p:transition spd="med">
-        <p:fade/>
-      </p:transition>
-    </mc:Fallback>
-  </mc:AlternateContent>
+  <p:timing>
+    <p:tnLst>
+      <p:par>
+        <p:cTn id="1" dur="indefinite" restart="never" nodeType="tmRoot"/>
+      </p:par>
+    </p:tnLst>
+  </p:timing>
 </p:sld>
 </file>
 
@@ -5925,7 +6068,7 @@
           <a:p>
             <a:r>
               <a:rPr lang="de-AT" dirty="0" smtClean="0"/>
-              <a:t>Nachteile</a:t>
+              <a:t>Vorteile</a:t>
             </a:r>
             <a:endParaRPr lang="en-GB" dirty="0"/>
           </a:p>
@@ -5946,36 +6089,44 @@
           <a:bodyPr/>
           <a:lstStyle/>
           <a:p>
-            <a:pPr marL="114300" indent="0">
-              <a:buNone/>
-            </a:pPr>
             <a:endParaRPr lang="de-AT" dirty="0" smtClean="0"/>
           </a:p>
           <a:p>
+            <a:endParaRPr lang="de-AT" dirty="0" smtClean="0"/>
+          </a:p>
+          <a:p>
+            <a:r>
+              <a:rPr lang="de-AT" dirty="0" smtClean="0"/>
+              <a:t>Dynamik und Flexibilität</a:t>
+            </a:r>
+          </a:p>
+          <a:p>
+            <a:endParaRPr lang="de-AT" dirty="0" smtClean="0"/>
+          </a:p>
+          <a:p>
+            <a:r>
+              <a:rPr lang="de-AT" dirty="0" smtClean="0"/>
+              <a:t>Erweiterbarkeit</a:t>
+            </a:r>
+            <a:endParaRPr lang="de-AT" dirty="0" smtClean="0"/>
+          </a:p>
+          <a:p>
             <a:endParaRPr lang="de-AT" dirty="0"/>
           </a:p>
           <a:p>
             <a:r>
               <a:rPr lang="de-AT" dirty="0" smtClean="0"/>
-              <a:t>Vorsicht beim Testen der Identität</a:t>
-            </a:r>
-          </a:p>
-          <a:p>
-            <a:endParaRPr lang="de-AT" dirty="0"/>
+              <a:t>Wartbarkeit</a:t>
+            </a:r>
+            <a:endParaRPr lang="de-AT" dirty="0" smtClean="0"/>
+          </a:p>
+          <a:p>
+            <a:endParaRPr lang="de-AT" dirty="0" smtClean="0"/>
           </a:p>
           <a:p>
             <a:r>
               <a:rPr lang="de-AT" dirty="0" smtClean="0"/>
-              <a:t>Erschwerte Fehlerfindung</a:t>
-            </a:r>
-          </a:p>
-          <a:p>
-            <a:endParaRPr lang="de-AT" dirty="0"/>
-          </a:p>
-          <a:p>
-            <a:r>
-              <a:rPr lang="de-AT" dirty="0" smtClean="0"/>
-              <a:t>Hohe Objektanzahlt</a:t>
+              <a:t>Vermeidung von Vererbungshierarchien</a:t>
             </a:r>
             <a:endParaRPr lang="en-GB" dirty="0"/>
           </a:p>
@@ -5984,25 +6135,32 @@
     </p:spTree>
     <p:extLst>
       <p:ext uri="{BB962C8B-B14F-4D97-AF65-F5344CB8AC3E}">
-        <p14:creationId xmlns:p14="http://schemas.microsoft.com/office/powerpoint/2010/main" val="455694787"/>
+        <p14:creationId xmlns:p14="http://schemas.microsoft.com/office/powerpoint/2010/main" val="1041663436"/>
       </p:ext>
     </p:extLst>
   </p:cSld>
   <p:clrMapOvr>
     <a:masterClrMapping/>
   </p:clrMapOvr>
-  <mc:AlternateContent xmlns:mc="http://schemas.openxmlformats.org/markup-compatibility/2006">
-    <mc:Choice xmlns:p14="http://schemas.microsoft.com/office/powerpoint/2010/main" Requires="p14">
+  <mc:AlternateContent xmlns:mc="http://schemas.openxmlformats.org/markup-compatibility/2006" xmlns:p14="http://schemas.microsoft.com/office/powerpoint/2010/main">
+    <mc:Choice Requires="p14">
       <p:transition spd="med" p14:dur="700">
         <p:fade/>
       </p:transition>
     </mc:Choice>
-    <mc:Fallback>
+    <mc:Fallback xmlns="">
       <p:transition spd="med">
         <p:fade/>
       </p:transition>
     </mc:Fallback>
   </mc:AlternateContent>
+  <p:timing>
+    <p:tnLst>
+      <p:par>
+        <p:cTn id="1" dur="indefinite" restart="never" nodeType="tmRoot"/>
+      </p:par>
+    </p:tnLst>
+  </p:timing>
 </p:sld>
 </file>
 
@@ -6040,7 +6198,7 @@
           <a:p>
             <a:r>
               <a:rPr lang="de-AT" dirty="0" smtClean="0"/>
-              <a:t>Verwendung</a:t>
+              <a:t>Nachteile</a:t>
             </a:r>
             <a:endParaRPr lang="en-GB" dirty="0"/>
           </a:p>
@@ -6061,6 +6219,9 @@
           <a:bodyPr/>
           <a:lstStyle/>
           <a:p>
+            <a:pPr marL="114300" indent="0">
+              <a:buNone/>
+            </a:pPr>
             <a:endParaRPr lang="de-AT" dirty="0" smtClean="0"/>
           </a:p>
           <a:p>
@@ -6069,8 +6230,9 @@
           <a:p>
             <a:r>
               <a:rPr lang="de-AT" dirty="0" smtClean="0"/>
-              <a:t>Verantwortlichkeiten und Verhalten dynamisch sein sollen</a:t>
-            </a:r>
+              <a:t>Unklarheit über Objektidentität</a:t>
+            </a:r>
+            <a:endParaRPr lang="de-AT" dirty="0" smtClean="0"/>
           </a:p>
           <a:p>
             <a:endParaRPr lang="de-AT" dirty="0"/>
@@ -6078,7 +6240,16 @@
           <a:p>
             <a:r>
               <a:rPr lang="de-AT" dirty="0" smtClean="0"/>
-              <a:t>Entkoppeln der Implementierung von Verantwortlichkeiten und Verhalten</a:t>
+              <a:t>Erschwerte Fehlerfindung</a:t>
+            </a:r>
+          </a:p>
+          <a:p>
+            <a:endParaRPr lang="de-AT" dirty="0"/>
+          </a:p>
+          <a:p>
+            <a:r>
+              <a:rPr lang="de-AT" dirty="0" smtClean="0"/>
+              <a:t>Hohe Objektanzahlt</a:t>
             </a:r>
             <a:endParaRPr lang="en-GB" dirty="0"/>
           </a:p>
@@ -6087,25 +6258,32 @@
     </p:spTree>
     <p:extLst>
       <p:ext uri="{BB962C8B-B14F-4D97-AF65-F5344CB8AC3E}">
-        <p14:creationId xmlns:p14="http://schemas.microsoft.com/office/powerpoint/2010/main" val="2187279391"/>
+        <p14:creationId xmlns:p14="http://schemas.microsoft.com/office/powerpoint/2010/main" val="455694787"/>
       </p:ext>
     </p:extLst>
   </p:cSld>
   <p:clrMapOvr>
     <a:masterClrMapping/>
   </p:clrMapOvr>
-  <mc:AlternateContent xmlns:mc="http://schemas.openxmlformats.org/markup-compatibility/2006">
-    <mc:Choice xmlns:p14="http://schemas.microsoft.com/office/powerpoint/2010/main" Requires="p14">
+  <mc:AlternateContent xmlns:mc="http://schemas.openxmlformats.org/markup-compatibility/2006" xmlns:p14="http://schemas.microsoft.com/office/powerpoint/2010/main">
+    <mc:Choice Requires="p14">
       <p:transition spd="med" p14:dur="700">
         <p:fade/>
       </p:transition>
     </mc:Choice>
-    <mc:Fallback>
+    <mc:Fallback xmlns="">
       <p:transition spd="med">
         <p:fade/>
       </p:transition>
     </mc:Fallback>
   </mc:AlternateContent>
+  <p:timing>
+    <p:tnLst>
+      <p:par>
+        <p:cTn id="1" dur="indefinite" restart="never" nodeType="tmRoot"/>
+      </p:par>
+    </p:tnLst>
+  </p:timing>
 </p:sld>
 </file>
 
@@ -6143,7 +6321,110 @@
           <a:p>
             <a:r>
               <a:rPr lang="de-AT" dirty="0" smtClean="0"/>
-              <a:t>Verweise</a:t>
+              <a:t>Verwendung</a:t>
+            </a:r>
+            <a:endParaRPr lang="en-GB" dirty="0"/>
+          </a:p>
+        </p:txBody>
+      </p:sp>
+      <p:sp>
+        <p:nvSpPr>
+          <p:cNvPr id="3" name="Content Placeholder 2"/>
+          <p:cNvSpPr>
+            <a:spLocks noGrp="1"/>
+          </p:cNvSpPr>
+          <p:nvPr>
+            <p:ph idx="1"/>
+          </p:nvPr>
+        </p:nvSpPr>
+        <p:spPr/>
+        <p:txBody>
+          <a:bodyPr/>
+          <a:lstStyle/>
+          <a:p>
+            <a:endParaRPr lang="de-AT" dirty="0" smtClean="0"/>
+          </a:p>
+          <a:p>
+            <a:endParaRPr lang="de-AT" dirty="0"/>
+          </a:p>
+          <a:p>
+            <a:r>
+              <a:rPr lang="de-AT" dirty="0" smtClean="0"/>
+              <a:t>Verantwortlichkeiten und Verhalten dynamisch sein sollen</a:t>
+            </a:r>
+          </a:p>
+          <a:p>
+            <a:endParaRPr lang="de-AT" dirty="0"/>
+          </a:p>
+          <a:p>
+            <a:r>
+              <a:rPr lang="de-AT" dirty="0" smtClean="0"/>
+              <a:t>Entkoppeln der Implementierung von Verantwortlichkeiten und Verhalten</a:t>
+            </a:r>
+            <a:endParaRPr lang="en-GB" dirty="0"/>
+          </a:p>
+        </p:txBody>
+      </p:sp>
+    </p:spTree>
+    <p:extLst>
+      <p:ext uri="{BB962C8B-B14F-4D97-AF65-F5344CB8AC3E}">
+        <p14:creationId xmlns:p14="http://schemas.microsoft.com/office/powerpoint/2010/main" val="2187279391"/>
+      </p:ext>
+    </p:extLst>
+  </p:cSld>
+  <p:clrMapOvr>
+    <a:masterClrMapping/>
+  </p:clrMapOvr>
+  <mc:AlternateContent xmlns:mc="http://schemas.openxmlformats.org/markup-compatibility/2006" xmlns:p14="http://schemas.microsoft.com/office/powerpoint/2010/main">
+    <mc:Choice Requires="p14">
+      <p:transition spd="med" p14:dur="700">
+        <p:fade/>
+      </p:transition>
+    </mc:Choice>
+    <mc:Fallback xmlns="">
+      <p:transition spd="med">
+        <p:fade/>
+      </p:transition>
+    </mc:Fallback>
+  </mc:AlternateContent>
+</p:sld>
+</file>
+
+<file path=ppt/slides/slide9.xml><?xml version="1.0" encoding="utf-8"?>
+<p:sld xmlns:a="http://schemas.openxmlformats.org/drawingml/2006/main" xmlns:r="http://schemas.openxmlformats.org/officeDocument/2006/relationships" xmlns:p="http://schemas.openxmlformats.org/presentationml/2006/main">
+  <p:cSld>
+    <p:spTree>
+      <p:nvGrpSpPr>
+        <p:cNvPr id="1" name=""/>
+        <p:cNvGrpSpPr/>
+        <p:nvPr/>
+      </p:nvGrpSpPr>
+      <p:grpSpPr>
+        <a:xfrm>
+          <a:off x="0" y="0"/>
+          <a:ext cx="0" cy="0"/>
+          <a:chOff x="0" y="0"/>
+          <a:chExt cx="0" cy="0"/>
+        </a:xfrm>
+      </p:grpSpPr>
+      <p:sp>
+        <p:nvSpPr>
+          <p:cNvPr id="2" name="Title 1"/>
+          <p:cNvSpPr>
+            <a:spLocks noGrp="1"/>
+          </p:cNvSpPr>
+          <p:nvPr>
+            <p:ph type="title"/>
+          </p:nvPr>
+        </p:nvSpPr>
+        <p:spPr/>
+        <p:txBody>
+          <a:bodyPr/>
+          <a:lstStyle/>
+          <a:p>
+            <a:r>
+              <a:rPr lang="de-AT" dirty="0" smtClean="0"/>
+              <a:t>Varianten</a:t>
             </a:r>
             <a:endParaRPr lang="en-GB" dirty="0"/>
           </a:p>
@@ -6204,13 +6485,13 @@
   <p:clrMapOvr>
     <a:masterClrMapping/>
   </p:clrMapOvr>
-  <mc:AlternateContent xmlns:mc="http://schemas.openxmlformats.org/markup-compatibility/2006">
-    <mc:Choice xmlns:p14="http://schemas.microsoft.com/office/powerpoint/2010/main" Requires="p14">
+  <mc:AlternateContent xmlns:mc="http://schemas.openxmlformats.org/markup-compatibility/2006" xmlns:p14="http://schemas.microsoft.com/office/powerpoint/2010/main">
+    <mc:Choice Requires="p14">
       <p:transition spd="med" p14:dur="700">
         <p:fade/>
       </p:transition>
     </mc:Choice>
-    <mc:Fallback>
+    <mc:Fallback xmlns="">
       <p:transition spd="med">
         <p:fade/>
       </p:transition>
